--- a/Block01-Methodologie/Folien/img/Abb_ppt.pptx
+++ b/Block01-Methodologie/Folien/img/Abb_ppt.pptx
@@ -6897,7 +6897,7 @@
           <a:p>
             <a:fld id="{838AF8E6-F3FC-D64F-880D-50C677B763B6}" type="datetimeFigureOut">
               <a:rPr lang="de-DE" smtClean="0"/>
-              <a:t>05.04.23</a:t>
+              <a:t>02.10.24</a:t>
             </a:fld>
             <a:endParaRPr lang="de-DE"/>
           </a:p>
@@ -7095,7 +7095,7 @@
           <a:p>
             <a:fld id="{838AF8E6-F3FC-D64F-880D-50C677B763B6}" type="datetimeFigureOut">
               <a:rPr lang="de-DE" smtClean="0"/>
-              <a:t>05.04.23</a:t>
+              <a:t>02.10.24</a:t>
             </a:fld>
             <a:endParaRPr lang="de-DE"/>
           </a:p>
@@ -7303,7 +7303,7 @@
           <a:p>
             <a:fld id="{838AF8E6-F3FC-D64F-880D-50C677B763B6}" type="datetimeFigureOut">
               <a:rPr lang="de-DE" smtClean="0"/>
-              <a:t>05.04.23</a:t>
+              <a:t>02.10.24</a:t>
             </a:fld>
             <a:endParaRPr lang="de-DE"/>
           </a:p>
@@ -7501,7 +7501,7 @@
           <a:p>
             <a:fld id="{838AF8E6-F3FC-D64F-880D-50C677B763B6}" type="datetimeFigureOut">
               <a:rPr lang="de-DE" smtClean="0"/>
-              <a:t>05.04.23</a:t>
+              <a:t>02.10.24</a:t>
             </a:fld>
             <a:endParaRPr lang="de-DE"/>
           </a:p>
@@ -7776,7 +7776,7 @@
           <a:p>
             <a:fld id="{838AF8E6-F3FC-D64F-880D-50C677B763B6}" type="datetimeFigureOut">
               <a:rPr lang="de-DE" smtClean="0"/>
-              <a:t>05.04.23</a:t>
+              <a:t>02.10.24</a:t>
             </a:fld>
             <a:endParaRPr lang="de-DE"/>
           </a:p>
@@ -8041,7 +8041,7 @@
           <a:p>
             <a:fld id="{838AF8E6-F3FC-D64F-880D-50C677B763B6}" type="datetimeFigureOut">
               <a:rPr lang="de-DE" smtClean="0"/>
-              <a:t>05.04.23</a:t>
+              <a:t>02.10.24</a:t>
             </a:fld>
             <a:endParaRPr lang="de-DE"/>
           </a:p>
@@ -8453,7 +8453,7 @@
           <a:p>
             <a:fld id="{838AF8E6-F3FC-D64F-880D-50C677B763B6}" type="datetimeFigureOut">
               <a:rPr lang="de-DE" smtClean="0"/>
-              <a:t>05.04.23</a:t>
+              <a:t>02.10.24</a:t>
             </a:fld>
             <a:endParaRPr lang="de-DE"/>
           </a:p>
@@ -8594,7 +8594,7 @@
           <a:p>
             <a:fld id="{838AF8E6-F3FC-D64F-880D-50C677B763B6}" type="datetimeFigureOut">
               <a:rPr lang="de-DE" smtClean="0"/>
-              <a:t>05.04.23</a:t>
+              <a:t>02.10.24</a:t>
             </a:fld>
             <a:endParaRPr lang="de-DE"/>
           </a:p>
@@ -8707,7 +8707,7 @@
           <a:p>
             <a:fld id="{838AF8E6-F3FC-D64F-880D-50C677B763B6}" type="datetimeFigureOut">
               <a:rPr lang="de-DE" smtClean="0"/>
-              <a:t>05.04.23</a:t>
+              <a:t>02.10.24</a:t>
             </a:fld>
             <a:endParaRPr lang="de-DE"/>
           </a:p>
@@ -9018,7 +9018,7 @@
           <a:p>
             <a:fld id="{838AF8E6-F3FC-D64F-880D-50C677B763B6}" type="datetimeFigureOut">
               <a:rPr lang="de-DE" smtClean="0"/>
-              <a:t>05.04.23</a:t>
+              <a:t>02.10.24</a:t>
             </a:fld>
             <a:endParaRPr lang="de-DE"/>
           </a:p>
@@ -9306,7 +9306,7 @@
           <a:p>
             <a:fld id="{838AF8E6-F3FC-D64F-880D-50C677B763B6}" type="datetimeFigureOut">
               <a:rPr lang="de-DE" smtClean="0"/>
-              <a:t>05.04.23</a:t>
+              <a:t>02.10.24</a:t>
             </a:fld>
             <a:endParaRPr lang="de-DE"/>
           </a:p>
@@ -9547,7 +9547,7 @@
           <a:p>
             <a:fld id="{838AF8E6-F3FC-D64F-880D-50C677B763B6}" type="datetimeFigureOut">
               <a:rPr lang="de-DE" smtClean="0"/>
-              <a:t>05.04.23</a:t>
+              <a:t>02.10.24</a:t>
             </a:fld>
             <a:endParaRPr lang="de-DE"/>
           </a:p>
@@ -15071,6 +15071,66 @@
       </p:grpSpPr>
       <p:sp>
         <p:nvSpPr>
+          <p:cNvPr id="2" name="Abgerundetes Rechteck 1">
+            <a:extLst>
+              <a:ext uri="{FF2B5EF4-FFF2-40B4-BE49-F238E27FC236}">
+                <a16:creationId xmlns:a16="http://schemas.microsoft.com/office/drawing/2014/main" id="{F0A5FAD9-664F-B2A8-64A9-A086013B367C}"/>
+              </a:ext>
+            </a:extLst>
+          </p:cNvPr>
+          <p:cNvSpPr/>
+          <p:nvPr/>
+        </p:nvSpPr>
+        <p:spPr>
+          <a:xfrm>
+            <a:off x="606175" y="1068512"/>
+            <a:ext cx="9750176" cy="3565133"/>
+          </a:xfrm>
+          <a:prstGeom prst="roundRect">
+            <a:avLst/>
+          </a:prstGeom>
+          <a:solidFill>
+            <a:schemeClr val="tx1">
+              <a:lumMod val="75000"/>
+              <a:lumOff val="25000"/>
+            </a:schemeClr>
+          </a:solidFill>
+          <a:ln>
+            <a:solidFill>
+              <a:schemeClr val="tx1">
+                <a:lumMod val="75000"/>
+                <a:lumOff val="25000"/>
+              </a:schemeClr>
+            </a:solidFill>
+          </a:ln>
+        </p:spPr>
+        <p:style>
+          <a:lnRef idx="2">
+            <a:schemeClr val="accent1">
+              <a:shade val="15000"/>
+            </a:schemeClr>
+          </a:lnRef>
+          <a:fillRef idx="1">
+            <a:schemeClr val="accent1"/>
+          </a:fillRef>
+          <a:effectRef idx="0">
+            <a:schemeClr val="accent1"/>
+          </a:effectRef>
+          <a:fontRef idx="minor">
+            <a:schemeClr val="lt1"/>
+          </a:fontRef>
+        </p:style>
+        <p:txBody>
+          <a:bodyPr rtlCol="0" anchor="ctr"/>
+          <a:lstStyle/>
+          <a:p>
+            <a:pPr algn="ctr"/>
+            <a:endParaRPr lang="de-DE"/>
+          </a:p>
+        </p:txBody>
+      </p:sp>
+      <p:sp>
+        <p:nvSpPr>
           <p:cNvPr id="9" name="Textfeld 8">
             <a:extLst>
               <a:ext uri="{FF2B5EF4-FFF2-40B4-BE49-F238E27FC236}">
